--- a/images/rtutorial_images.pptx
+++ b/images/rtutorial_images.pptx
@@ -5,7 +5,8 @@
     <p:sldMasterId id="2147483648" r:id="rId1"/>
   </p:sldMasterIdLst>
   <p:sldIdLst>
-    <p:sldId id="256" r:id="rId2"/>
+    <p:sldId id="259" r:id="rId2"/>
+    <p:sldId id="260" r:id="rId3"/>
   </p:sldIdLst>
   <p:sldSz cx="12192000" cy="6858000"/>
   <p:notesSz cx="6858000" cy="9144000"/>
@@ -259,7 +260,7 @@
           <a:p>
             <a:fld id="{3258A35C-D38B-5C4E-B884-0ABB2ACBB1A5}" type="datetimeFigureOut">
               <a:rPr lang="en-US" smtClean="0"/>
-              <a:t>9/12/18</a:t>
+              <a:t>4/14/19</a:t>
             </a:fld>
             <a:endParaRPr lang="en-US"/>
           </a:p>
@@ -457,7 +458,7 @@
           <a:p>
             <a:fld id="{3258A35C-D38B-5C4E-B884-0ABB2ACBB1A5}" type="datetimeFigureOut">
               <a:rPr lang="en-US" smtClean="0"/>
-              <a:t>9/12/18</a:t>
+              <a:t>4/14/19</a:t>
             </a:fld>
             <a:endParaRPr lang="en-US"/>
           </a:p>
@@ -665,7 +666,7 @@
           <a:p>
             <a:fld id="{3258A35C-D38B-5C4E-B884-0ABB2ACBB1A5}" type="datetimeFigureOut">
               <a:rPr lang="en-US" smtClean="0"/>
-              <a:t>9/12/18</a:t>
+              <a:t>4/14/19</a:t>
             </a:fld>
             <a:endParaRPr lang="en-US"/>
           </a:p>
@@ -863,7 +864,7 @@
           <a:p>
             <a:fld id="{3258A35C-D38B-5C4E-B884-0ABB2ACBB1A5}" type="datetimeFigureOut">
               <a:rPr lang="en-US" smtClean="0"/>
-              <a:t>9/12/18</a:t>
+              <a:t>4/14/19</a:t>
             </a:fld>
             <a:endParaRPr lang="en-US"/>
           </a:p>
@@ -1138,7 +1139,7 @@
           <a:p>
             <a:fld id="{3258A35C-D38B-5C4E-B884-0ABB2ACBB1A5}" type="datetimeFigureOut">
               <a:rPr lang="en-US" smtClean="0"/>
-              <a:t>9/12/18</a:t>
+              <a:t>4/14/19</a:t>
             </a:fld>
             <a:endParaRPr lang="en-US"/>
           </a:p>
@@ -1403,7 +1404,7 @@
           <a:p>
             <a:fld id="{3258A35C-D38B-5C4E-B884-0ABB2ACBB1A5}" type="datetimeFigureOut">
               <a:rPr lang="en-US" smtClean="0"/>
-              <a:t>9/12/18</a:t>
+              <a:t>4/14/19</a:t>
             </a:fld>
             <a:endParaRPr lang="en-US"/>
           </a:p>
@@ -1815,7 +1816,7 @@
           <a:p>
             <a:fld id="{3258A35C-D38B-5C4E-B884-0ABB2ACBB1A5}" type="datetimeFigureOut">
               <a:rPr lang="en-US" smtClean="0"/>
-              <a:t>9/12/18</a:t>
+              <a:t>4/14/19</a:t>
             </a:fld>
             <a:endParaRPr lang="en-US"/>
           </a:p>
@@ -1956,7 +1957,7 @@
           <a:p>
             <a:fld id="{3258A35C-D38B-5C4E-B884-0ABB2ACBB1A5}" type="datetimeFigureOut">
               <a:rPr lang="en-US" smtClean="0"/>
-              <a:t>9/12/18</a:t>
+              <a:t>4/14/19</a:t>
             </a:fld>
             <a:endParaRPr lang="en-US"/>
           </a:p>
@@ -2069,7 +2070,7 @@
           <a:p>
             <a:fld id="{3258A35C-D38B-5C4E-B884-0ABB2ACBB1A5}" type="datetimeFigureOut">
               <a:rPr lang="en-US" smtClean="0"/>
-              <a:t>9/12/18</a:t>
+              <a:t>4/14/19</a:t>
             </a:fld>
             <a:endParaRPr lang="en-US"/>
           </a:p>
@@ -2380,7 +2381,7 @@
           <a:p>
             <a:fld id="{3258A35C-D38B-5C4E-B884-0ABB2ACBB1A5}" type="datetimeFigureOut">
               <a:rPr lang="en-US" smtClean="0"/>
-              <a:t>9/12/18</a:t>
+              <a:t>4/14/19</a:t>
             </a:fld>
             <a:endParaRPr lang="en-US"/>
           </a:p>
@@ -2668,7 +2669,7 @@
           <a:p>
             <a:fld id="{3258A35C-D38B-5C4E-B884-0ABB2ACBB1A5}" type="datetimeFigureOut">
               <a:rPr lang="en-US" smtClean="0"/>
-              <a:t>9/12/18</a:t>
+              <a:t>4/14/19</a:t>
             </a:fld>
             <a:endParaRPr lang="en-US"/>
           </a:p>
@@ -2909,7 +2910,7 @@
           <a:p>
             <a:fld id="{3258A35C-D38B-5C4E-B884-0ABB2ACBB1A5}" type="datetimeFigureOut">
               <a:rPr lang="en-US" smtClean="0"/>
-              <a:t>9/12/18</a:t>
+              <a:t>4/14/19</a:t>
             </a:fld>
             <a:endParaRPr lang="en-US"/>
           </a:p>
@@ -3328,10 +3329,10 @@
       </p:grpSpPr>
       <p:grpSp>
         <p:nvGrpSpPr>
-          <p:cNvPr id="2" name="Group 1">
-            <a:extLst>
-              <a:ext uri="{FF2B5EF4-FFF2-40B4-BE49-F238E27FC236}">
-                <a16:creationId xmlns:a16="http://schemas.microsoft.com/office/drawing/2014/main" id="{F775E493-E826-4D47-B67B-DD6F962AEB5B}"/>
+          <p:cNvPr id="46" name="Group 45">
+            <a:extLst>
+              <a:ext uri="{FF2B5EF4-FFF2-40B4-BE49-F238E27FC236}">
+                <a16:creationId xmlns:a16="http://schemas.microsoft.com/office/drawing/2014/main" id="{A4F2C64F-8775-D348-96FE-3A36ACBEDFB1}"/>
               </a:ext>
             </a:extLst>
           </p:cNvPr>
@@ -3340,210 +3341,246 @@
         </p:nvGrpSpPr>
         <p:grpSpPr>
           <a:xfrm>
-            <a:off x="-77263" y="1035358"/>
-            <a:ext cx="15404869" cy="3561173"/>
-            <a:chOff x="-77263" y="1035358"/>
-            <a:chExt cx="15404869" cy="3561173"/>
+            <a:off x="-179895" y="1818050"/>
+            <a:ext cx="12551789" cy="3221899"/>
+            <a:chOff x="-1414014" y="1894471"/>
+            <a:chExt cx="12551789" cy="3221899"/>
           </a:xfrm>
         </p:grpSpPr>
-        <p:pic>
-          <p:nvPicPr>
-            <p:cNvPr id="5" name="Picture 4">
+        <p:sp>
+          <p:nvSpPr>
+            <p:cNvPr id="4" name="Notched Right Arrow 3">
               <a:extLst>
                 <a:ext uri="{FF2B5EF4-FFF2-40B4-BE49-F238E27FC236}">
-                  <a16:creationId xmlns:a16="http://schemas.microsoft.com/office/drawing/2014/main" id="{6AAE0764-419E-2C47-857F-034B30F8891B}"/>
+                  <a16:creationId xmlns:a16="http://schemas.microsoft.com/office/drawing/2014/main" id="{E0D3FD40-8F46-E641-9A82-193AC68FC2A0}"/>
                 </a:ext>
               </a:extLst>
             </p:cNvPr>
-            <p:cNvPicPr>
-              <a:picLocks noChangeAspect="1"/>
-            </p:cNvPicPr>
+            <p:cNvSpPr/>
             <p:nvPr/>
-          </p:nvPicPr>
-          <p:blipFill>
-            <a:blip r:embed="rId2"/>
-            <a:stretch>
-              <a:fillRect/>
-            </a:stretch>
-          </p:blipFill>
+          </p:nvSpPr>
           <p:spPr>
             <a:xfrm>
-              <a:off x="243629" y="1776832"/>
-              <a:ext cx="764051" cy="764051"/>
+              <a:off x="3882782" y="2663915"/>
+              <a:ext cx="2163018" cy="1387297"/>
             </a:xfrm>
-            <a:prstGeom prst="rect">
+            <a:prstGeom prst="notchedRightArrow">
               <a:avLst/>
             </a:prstGeom>
           </p:spPr>
-        </p:pic>
-        <p:pic>
-          <p:nvPicPr>
-            <p:cNvPr id="7" name="Picture 6">
-              <a:extLst>
-                <a:ext uri="{FF2B5EF4-FFF2-40B4-BE49-F238E27FC236}">
-                  <a16:creationId xmlns:a16="http://schemas.microsoft.com/office/drawing/2014/main" id="{A0B2C0D1-A64F-9946-9276-B44D22AC5F2E}"/>
-                </a:ext>
-              </a:extLst>
-            </p:cNvPr>
-            <p:cNvPicPr>
-              <a:picLocks noChangeAspect="1"/>
-            </p:cNvPicPr>
-            <p:nvPr/>
-          </p:nvPicPr>
-          <p:blipFill>
-            <a:blip r:embed="rId3"/>
-            <a:stretch>
-              <a:fillRect/>
-            </a:stretch>
-          </p:blipFill>
-          <p:spPr>
-            <a:xfrm>
-              <a:off x="196127" y="2752723"/>
-              <a:ext cx="859054" cy="859054"/>
-            </a:xfrm>
-            <a:prstGeom prst="rect">
-              <a:avLst/>
-            </a:prstGeom>
-          </p:spPr>
-        </p:pic>
-        <p:pic>
-          <p:nvPicPr>
-            <p:cNvPr id="9" name="Picture 8">
-              <a:extLst>
-                <a:ext uri="{FF2B5EF4-FFF2-40B4-BE49-F238E27FC236}">
-                  <a16:creationId xmlns:a16="http://schemas.microsoft.com/office/drawing/2014/main" id="{145484D3-91EE-BB4D-A814-2D5DEF844ECA}"/>
-                </a:ext>
-              </a:extLst>
-            </p:cNvPr>
-            <p:cNvPicPr>
-              <a:picLocks noChangeAspect="1"/>
-            </p:cNvPicPr>
-            <p:nvPr/>
-          </p:nvPicPr>
-          <p:blipFill>
-            <a:blip r:embed="rId4"/>
-            <a:stretch>
-              <a:fillRect/>
-            </a:stretch>
-          </p:blipFill>
-          <p:spPr>
-            <a:xfrm>
-              <a:off x="14087998" y="2061612"/>
-              <a:ext cx="1239608" cy="1239608"/>
-            </a:xfrm>
-            <a:prstGeom prst="rect">
-              <a:avLst/>
-            </a:prstGeom>
-          </p:spPr>
-        </p:pic>
-        <p:pic>
-          <p:nvPicPr>
-            <p:cNvPr id="11" name="Picture 10">
-              <a:extLst>
-                <a:ext uri="{FF2B5EF4-FFF2-40B4-BE49-F238E27FC236}">
-                  <a16:creationId xmlns:a16="http://schemas.microsoft.com/office/drawing/2014/main" id="{63583B32-E541-C245-9636-EA53B83DF77E}"/>
-                </a:ext>
-              </a:extLst>
-            </p:cNvPr>
-            <p:cNvPicPr>
-              <a:picLocks noChangeAspect="1"/>
-            </p:cNvPicPr>
-            <p:nvPr/>
-          </p:nvPicPr>
-          <p:blipFill>
-            <a:blip r:embed="rId5"/>
-            <a:stretch>
-              <a:fillRect/>
-            </a:stretch>
-          </p:blipFill>
-          <p:spPr>
-            <a:xfrm>
-              <a:off x="2040762" y="3031018"/>
-              <a:ext cx="1565513" cy="1565513"/>
-            </a:xfrm>
-            <a:prstGeom prst="rect">
-              <a:avLst/>
-            </a:prstGeom>
-          </p:spPr>
-        </p:pic>
-        <p:pic>
-          <p:nvPicPr>
-            <p:cNvPr id="13" name="Picture 12">
-              <a:extLst>
-                <a:ext uri="{FF2B5EF4-FFF2-40B4-BE49-F238E27FC236}">
-                  <a16:creationId xmlns:a16="http://schemas.microsoft.com/office/drawing/2014/main" id="{7E3140CE-F792-D641-8609-7947074934EA}"/>
-                </a:ext>
-              </a:extLst>
-            </p:cNvPr>
-            <p:cNvPicPr>
-              <a:picLocks noChangeAspect="1"/>
-            </p:cNvPicPr>
-            <p:nvPr/>
-          </p:nvPicPr>
-          <p:blipFill>
-            <a:blip r:embed="rId6"/>
-            <a:stretch>
-              <a:fillRect/>
-            </a:stretch>
-          </p:blipFill>
-          <p:spPr>
-            <a:xfrm>
-              <a:off x="4425325" y="1978707"/>
-              <a:ext cx="1405418" cy="1405418"/>
-            </a:xfrm>
-            <a:prstGeom prst="rect">
-              <a:avLst/>
-            </a:prstGeom>
-          </p:spPr>
-        </p:pic>
-        <p:cxnSp>
-          <p:nvCxnSpPr>
-            <p:cNvPr id="15" name="Straight Arrow Connector 14">
-              <a:extLst>
-                <a:ext uri="{FF2B5EF4-FFF2-40B4-BE49-F238E27FC236}">
-                  <a16:creationId xmlns:a16="http://schemas.microsoft.com/office/drawing/2014/main" id="{3B964E09-959A-444C-AE1C-8C73D882FB6C}"/>
-                </a:ext>
-              </a:extLst>
-            </p:cNvPr>
-            <p:cNvCxnSpPr/>
-            <p:nvPr/>
-          </p:nvCxnSpPr>
-          <p:spPr>
-            <a:xfrm>
-              <a:off x="2100649" y="2681416"/>
-              <a:ext cx="1445740" cy="0"/>
-            </a:xfrm>
-            <a:prstGeom prst="straightConnector1">
-              <a:avLst/>
-            </a:prstGeom>
-            <a:ln w="114300">
-              <a:solidFill>
-                <a:srgbClr val="4599BD"/>
-              </a:solidFill>
-              <a:tailEnd type="triangle"/>
-            </a:ln>
-          </p:spPr>
           <p:style>
-            <a:lnRef idx="1">
-              <a:schemeClr val="accent1"/>
+            <a:lnRef idx="2">
+              <a:schemeClr val="accent1">
+                <a:shade val="50000"/>
+              </a:schemeClr>
             </a:lnRef>
-            <a:fillRef idx="0">
+            <a:fillRef idx="1">
               <a:schemeClr val="accent1"/>
             </a:fillRef>
             <a:effectRef idx="0">
               <a:schemeClr val="accent1"/>
             </a:effectRef>
             <a:fontRef idx="minor">
-              <a:schemeClr val="tx1"/>
+              <a:schemeClr val="lt1"/>
             </a:fontRef>
           </p:style>
-        </p:cxnSp>
+          <p:txBody>
+            <a:bodyPr rtlCol="0" anchor="ctr"/>
+            <a:lstStyle/>
+            <a:p>
+              <a:pPr algn="ctr"/>
+              <a:r>
+                <a:rPr lang="en-US" sz="1600" b="1" dirty="0"/>
+                <a:t>Data Scoring and Cleaning</a:t>
+              </a:r>
+            </a:p>
+          </p:txBody>
+        </p:sp>
         <p:sp>
           <p:nvSpPr>
-            <p:cNvPr id="16" name="TextBox 15">
+            <p:cNvPr id="5" name="Notched Right Arrow 4">
               <a:extLst>
                 <a:ext uri="{FF2B5EF4-FFF2-40B4-BE49-F238E27FC236}">
-                  <a16:creationId xmlns:a16="http://schemas.microsoft.com/office/drawing/2014/main" id="{84DEABA8-F862-2D4D-9873-9CC62A3FBBA9}"/>
+                  <a16:creationId xmlns:a16="http://schemas.microsoft.com/office/drawing/2014/main" id="{840070DC-4979-1540-B7CB-15A627BFCEC4}"/>
+                </a:ext>
+              </a:extLst>
+            </p:cNvPr>
+            <p:cNvSpPr/>
+            <p:nvPr/>
+          </p:nvSpPr>
+          <p:spPr>
+            <a:xfrm>
+              <a:off x="-8180" y="2663915"/>
+              <a:ext cx="2163018" cy="1387297"/>
+            </a:xfrm>
+            <a:prstGeom prst="notchedRightArrow">
+              <a:avLst/>
+            </a:prstGeom>
+          </p:spPr>
+          <p:style>
+            <a:lnRef idx="2">
+              <a:schemeClr val="accent1">
+                <a:shade val="50000"/>
+              </a:schemeClr>
+            </a:lnRef>
+            <a:fillRef idx="1">
+              <a:schemeClr val="accent1"/>
+            </a:fillRef>
+            <a:effectRef idx="0">
+              <a:schemeClr val="accent1"/>
+            </a:effectRef>
+            <a:fontRef idx="minor">
+              <a:schemeClr val="lt1"/>
+            </a:fontRef>
+          </p:style>
+          <p:txBody>
+            <a:bodyPr rtlCol="0" anchor="ctr"/>
+            <a:lstStyle/>
+            <a:p>
+              <a:pPr algn="ctr"/>
+              <a:r>
+                <a:rPr lang="en-US" b="1" dirty="0"/>
+                <a:t>Messy to Tidy</a:t>
+              </a:r>
+            </a:p>
+          </p:txBody>
+        </p:sp>
+        <p:sp>
+          <p:nvSpPr>
+            <p:cNvPr id="6" name="Notched Right Arrow 5">
+              <a:extLst>
+                <a:ext uri="{FF2B5EF4-FFF2-40B4-BE49-F238E27FC236}">
+                  <a16:creationId xmlns:a16="http://schemas.microsoft.com/office/drawing/2014/main" id="{7E2A85A5-9B8C-6343-A1E2-2DE748C87A2E}"/>
+                </a:ext>
+              </a:extLst>
+            </p:cNvPr>
+            <p:cNvSpPr/>
+            <p:nvPr/>
+          </p:nvSpPr>
+          <p:spPr>
+            <a:xfrm>
+              <a:off x="7773744" y="2663914"/>
+              <a:ext cx="2163018" cy="1387297"/>
+            </a:xfrm>
+            <a:prstGeom prst="notchedRightArrow">
+              <a:avLst/>
+            </a:prstGeom>
+          </p:spPr>
+          <p:style>
+            <a:lnRef idx="2">
+              <a:schemeClr val="accent1">
+                <a:shade val="50000"/>
+              </a:schemeClr>
+            </a:lnRef>
+            <a:fillRef idx="1">
+              <a:schemeClr val="accent1"/>
+            </a:fillRef>
+            <a:effectRef idx="0">
+              <a:schemeClr val="accent1"/>
+            </a:effectRef>
+            <a:fontRef idx="minor">
+              <a:schemeClr val="lt1"/>
+            </a:fontRef>
+          </p:style>
+          <p:txBody>
+            <a:bodyPr rtlCol="0" anchor="ctr"/>
+            <a:lstStyle/>
+            <a:p>
+              <a:pPr algn="ctr"/>
+              <a:r>
+                <a:rPr lang="en-US" b="1" dirty="0"/>
+                <a:t>Data Analysis</a:t>
+              </a:r>
+            </a:p>
+          </p:txBody>
+        </p:sp>
+        <p:grpSp>
+          <p:nvGrpSpPr>
+            <p:cNvPr id="10" name="Group 9">
+              <a:extLst>
+                <a:ext uri="{FF2B5EF4-FFF2-40B4-BE49-F238E27FC236}">
+                  <a16:creationId xmlns:a16="http://schemas.microsoft.com/office/drawing/2014/main" id="{82E97BD7-CCA2-E14E-BDA1-7E0B0BB305B8}"/>
+                </a:ext>
+              </a:extLst>
+            </p:cNvPr>
+            <p:cNvGrpSpPr/>
+            <p:nvPr/>
+          </p:nvGrpSpPr>
+          <p:grpSpPr>
+            <a:xfrm>
+              <a:off x="-1140624" y="2511527"/>
+              <a:ext cx="859054" cy="1692065"/>
+              <a:chOff x="902488" y="2496205"/>
+              <a:chExt cx="859054" cy="1692065"/>
+            </a:xfrm>
+          </p:grpSpPr>
+          <p:pic>
+            <p:nvPicPr>
+              <p:cNvPr id="7" name="Picture 6">
+                <a:extLst>
+                  <a:ext uri="{FF2B5EF4-FFF2-40B4-BE49-F238E27FC236}">
+                    <a16:creationId xmlns:a16="http://schemas.microsoft.com/office/drawing/2014/main" id="{97B99C7F-4241-ED42-989E-1B6DD33A1F32}"/>
+                  </a:ext>
+                </a:extLst>
+              </p:cNvPr>
+              <p:cNvPicPr>
+                <a:picLocks noChangeAspect="1"/>
+              </p:cNvPicPr>
+              <p:nvPr/>
+            </p:nvPicPr>
+            <p:blipFill>
+              <a:blip r:embed="rId2"/>
+              <a:stretch>
+                <a:fillRect/>
+              </a:stretch>
+            </p:blipFill>
+            <p:spPr>
+              <a:xfrm>
+                <a:off x="949990" y="2496205"/>
+                <a:ext cx="764051" cy="764051"/>
+              </a:xfrm>
+              <a:prstGeom prst="rect">
+                <a:avLst/>
+              </a:prstGeom>
+            </p:spPr>
+          </p:pic>
+          <p:pic>
+            <p:nvPicPr>
+              <p:cNvPr id="8" name="Picture 7">
+                <a:extLst>
+                  <a:ext uri="{FF2B5EF4-FFF2-40B4-BE49-F238E27FC236}">
+                    <a16:creationId xmlns:a16="http://schemas.microsoft.com/office/drawing/2014/main" id="{021FF0F9-C644-B84D-A7E7-7153D7BB9E35}"/>
+                  </a:ext>
+                </a:extLst>
+              </p:cNvPr>
+              <p:cNvPicPr>
+                <a:picLocks noChangeAspect="1"/>
+              </p:cNvPicPr>
+              <p:nvPr/>
+            </p:nvPicPr>
+            <p:blipFill>
+              <a:blip r:embed="rId3"/>
+              <a:stretch>
+                <a:fillRect/>
+              </a:stretch>
+            </p:blipFill>
+            <p:spPr>
+              <a:xfrm>
+                <a:off x="902488" y="3329216"/>
+                <a:ext cx="859054" cy="859054"/>
+              </a:xfrm>
+              <a:prstGeom prst="rect">
+                <a:avLst/>
+              </a:prstGeom>
+            </p:spPr>
+          </p:pic>
+        </p:grpSp>
+        <p:sp>
+          <p:nvSpPr>
+            <p:cNvPr id="9" name="TextBox 8">
+              <a:extLst>
+                <a:ext uri="{FF2B5EF4-FFF2-40B4-BE49-F238E27FC236}">
+                  <a16:creationId xmlns:a16="http://schemas.microsoft.com/office/drawing/2014/main" id="{3EF90E46-D6C1-1F42-B9EB-C6C2A38DB5A7}"/>
                 </a:ext>
               </a:extLst>
             </p:cNvPr>
@@ -3552,58 +3589,7 @@
           </p:nvSpPr>
           <p:spPr>
             <a:xfrm>
-              <a:off x="1814876" y="1535068"/>
-              <a:ext cx="2017284" cy="830997"/>
-            </a:xfrm>
-            <a:prstGeom prst="rect">
-              <a:avLst/>
-            </a:prstGeom>
-            <a:noFill/>
-          </p:spPr>
-          <p:txBody>
-            <a:bodyPr wrap="none" rtlCol="0">
-              <a:spAutoFit/>
-            </a:bodyPr>
-            <a:lstStyle/>
-            <a:p>
-              <a:pPr algn="ctr"/>
-              <a:r>
-                <a:rPr lang="en-US" sz="2400" b="1" dirty="0">
-                  <a:solidFill>
-                    <a:srgbClr val="C00000"/>
-                  </a:solidFill>
-                </a:rPr>
-                <a:t>Merge, Filter, </a:t>
-              </a:r>
-            </a:p>
-            <a:p>
-              <a:pPr algn="ctr"/>
-              <a:r>
-                <a:rPr lang="en-US" sz="2400" b="1" dirty="0">
-                  <a:solidFill>
-                    <a:srgbClr val="C00000"/>
-                  </a:solidFill>
-                </a:rPr>
-                <a:t>Select</a:t>
-              </a:r>
-            </a:p>
-          </p:txBody>
-        </p:sp>
-        <p:sp>
-          <p:nvSpPr>
-            <p:cNvPr id="17" name="TextBox 16">
-              <a:extLst>
-                <a:ext uri="{FF2B5EF4-FFF2-40B4-BE49-F238E27FC236}">
-                  <a16:creationId xmlns:a16="http://schemas.microsoft.com/office/drawing/2014/main" id="{84DF0010-45A5-4447-9E5B-6F596E81EF5C}"/>
-                </a:ext>
-              </a:extLst>
-            </p:cNvPr>
-            <p:cNvSpPr txBox="1"/>
-            <p:nvPr/>
-          </p:nvSpPr>
-          <p:spPr>
-            <a:xfrm>
-              <a:off x="-77263" y="3720739"/>
+              <a:off x="-1414014" y="4285373"/>
               <a:ext cx="1405834" cy="830997"/>
             </a:xfrm>
             <a:prstGeom prst="rect">
@@ -3619,7 +3605,7 @@
             <a:p>
               <a:pPr algn="ctr"/>
               <a:r>
-                <a:rPr lang="en-US" sz="2400" b="1" dirty="0">
+                <a:rPr lang="en-US" sz="2400" b="1" i="1" dirty="0">
                   <a:solidFill>
                     <a:srgbClr val="C00000"/>
                   </a:solidFill>
@@ -3640,12 +3626,122 @@
             </a:p>
           </p:txBody>
         </p:sp>
+        <p:pic>
+          <p:nvPicPr>
+            <p:cNvPr id="11" name="Picture 10">
+              <a:extLst>
+                <a:ext uri="{FF2B5EF4-FFF2-40B4-BE49-F238E27FC236}">
+                  <a16:creationId xmlns:a16="http://schemas.microsoft.com/office/drawing/2014/main" id="{160B12B3-7F8F-F14D-A1DC-1C0AF98ECDCB}"/>
+                </a:ext>
+              </a:extLst>
+            </p:cNvPr>
+            <p:cNvPicPr>
+              <a:picLocks noChangeAspect="1"/>
+            </p:cNvPicPr>
+            <p:nvPr/>
+          </p:nvPicPr>
+          <p:blipFill>
+            <a:blip r:embed="rId4">
+              <a:duotone>
+                <a:schemeClr val="accent1">
+                  <a:shade val="45000"/>
+                  <a:satMod val="135000"/>
+                </a:schemeClr>
+                <a:prstClr val="white"/>
+              </a:duotone>
+              <a:extLst>
+                <a:ext uri="{BEBA8EAE-BF5A-486C-A8C5-ECC9F3942E4B}">
+                  <a14:imgProps xmlns:a14="http://schemas.microsoft.com/office/drawing/2010/main">
+                    <a14:imgLayer r:embed="rId5">
+                      <a14:imgEffect>
+                        <a14:colorTemperature colorTemp="5497"/>
+                      </a14:imgEffect>
+                      <a14:imgEffect>
+                        <a14:saturation sat="369000"/>
+                      </a14:imgEffect>
+                      <a14:imgEffect>
+                        <a14:brightnessContrast bright="-40000" contrast="40000"/>
+                      </a14:imgEffect>
+                    </a14:imgLayer>
+                  </a14:imgProps>
+                </a:ext>
+              </a:extLst>
+            </a:blip>
+            <a:stretch>
+              <a:fillRect/>
+            </a:stretch>
+          </p:blipFill>
+          <p:spPr>
+            <a:xfrm>
+              <a:off x="2325161" y="2663913"/>
+              <a:ext cx="1387297" cy="1387297"/>
+            </a:xfrm>
+            <a:prstGeom prst="rect">
+              <a:avLst/>
+            </a:prstGeom>
+          </p:spPr>
+        </p:pic>
+        <p:pic>
+          <p:nvPicPr>
+            <p:cNvPr id="12" name="Picture 11">
+              <a:extLst>
+                <a:ext uri="{FF2B5EF4-FFF2-40B4-BE49-F238E27FC236}">
+                  <a16:creationId xmlns:a16="http://schemas.microsoft.com/office/drawing/2014/main" id="{9774697A-2248-8345-8EC0-86CF904EDAB1}"/>
+                </a:ext>
+              </a:extLst>
+            </p:cNvPr>
+            <p:cNvPicPr>
+              <a:picLocks noChangeAspect="1"/>
+            </p:cNvPicPr>
+            <p:nvPr/>
+          </p:nvPicPr>
+          <p:blipFill>
+            <a:blip r:embed="rId4">
+              <a:duotone>
+                <a:srgbClr val="4472C4">
+                  <a:shade val="45000"/>
+                  <a:satMod val="135000"/>
+                </a:srgbClr>
+                <a:prstClr val="white"/>
+              </a:duotone>
+              <a:extLst>
+                <a:ext uri="{BEBA8EAE-BF5A-486C-A8C5-ECC9F3942E4B}">
+                  <a14:imgProps xmlns:a14="http://schemas.microsoft.com/office/drawing/2010/main">
+                    <a14:imgLayer r:embed="rId6">
+                      <a14:imgEffect>
+                        <a14:colorTemperature colorTemp="5497"/>
+                      </a14:imgEffect>
+                      <a14:imgEffect>
+                        <a14:saturation sat="369000"/>
+                      </a14:imgEffect>
+                      <a14:imgEffect>
+                        <a14:brightnessContrast bright="-40000" contrast="40000"/>
+                      </a14:imgEffect>
+                    </a14:imgLayer>
+                  </a14:imgProps>
+                </a:ext>
+              </a:extLst>
+            </a:blip>
+            <a:stretch>
+              <a:fillRect/>
+            </a:stretch>
+          </p:blipFill>
+          <p:spPr>
+            <a:xfrm>
+              <a:off x="6216123" y="2663912"/>
+              <a:ext cx="1387297" cy="1387297"/>
+            </a:xfrm>
+            <a:prstGeom prst="rect">
+              <a:avLst/>
+            </a:prstGeom>
+          </p:spPr>
+        </p:pic>
         <p:sp>
           <p:nvSpPr>
-            <p:cNvPr id="18" name="TextBox 17">
+            <p:cNvPr id="13" name="TextBox 12">
               <a:extLst>
                 <a:ext uri="{FF2B5EF4-FFF2-40B4-BE49-F238E27FC236}">
-                  <a16:creationId xmlns:a16="http://schemas.microsoft.com/office/drawing/2014/main" id="{86CC3677-7303-0947-A5E5-3DBC8AA9274E}"/>
+                  <a16:creationId xmlns:a16="http://schemas.microsoft.com/office/drawing/2014/main" id="{2D4B397F-3811-7644-862C-A62E9CBFB72F}"/>
                 </a:ext>
               </a:extLst>
             </p:cNvPr>
@@ -3654,7 +3750,7 @@
           </p:nvSpPr>
           <p:spPr>
             <a:xfrm>
-              <a:off x="4425325" y="3720739"/>
+              <a:off x="2439465" y="4285373"/>
               <a:ext cx="1405834" cy="830997"/>
             </a:xfrm>
             <a:prstGeom prst="rect">
@@ -3670,7 +3766,7 @@
             <a:p>
               <a:pPr algn="ctr"/>
               <a:r>
-                <a:rPr lang="en-US" sz="2400" b="1" dirty="0">
+                <a:rPr lang="en-US" sz="2400" b="1" i="1" dirty="0">
                   <a:solidFill>
                     <a:srgbClr val="C00000"/>
                   </a:solidFill>
@@ -3691,84 +3787,12 @@
             </a:p>
           </p:txBody>
         </p:sp>
-        <p:cxnSp>
-          <p:nvCxnSpPr>
-            <p:cNvPr id="20" name="Straight Arrow Connector 19">
+        <p:sp>
+          <p:nvSpPr>
+            <p:cNvPr id="14" name="TextBox 13">
               <a:extLst>
                 <a:ext uri="{FF2B5EF4-FFF2-40B4-BE49-F238E27FC236}">
-                  <a16:creationId xmlns:a16="http://schemas.microsoft.com/office/drawing/2014/main" id="{FA941F68-BE58-3944-A792-650E7FE2D0AE}"/>
-                </a:ext>
-              </a:extLst>
-            </p:cNvPr>
-            <p:cNvCxnSpPr/>
-            <p:nvPr/>
-          </p:nvCxnSpPr>
-          <p:spPr>
-            <a:xfrm>
-              <a:off x="6571049" y="2683132"/>
-              <a:ext cx="1445740" cy="0"/>
-            </a:xfrm>
-            <a:prstGeom prst="straightConnector1">
-              <a:avLst/>
-            </a:prstGeom>
-            <a:ln w="114300">
-              <a:solidFill>
-                <a:srgbClr val="4599BD"/>
-              </a:solidFill>
-              <a:tailEnd type="triangle"/>
-            </a:ln>
-          </p:spPr>
-          <p:style>
-            <a:lnRef idx="1">
-              <a:schemeClr val="accent1"/>
-            </a:lnRef>
-            <a:fillRef idx="0">
-              <a:schemeClr val="accent1"/>
-            </a:fillRef>
-            <a:effectRef idx="0">
-              <a:schemeClr val="accent1"/>
-            </a:effectRef>
-            <a:fontRef idx="minor">
-              <a:schemeClr val="tx1"/>
-            </a:fontRef>
-          </p:style>
-        </p:cxnSp>
-        <p:pic>
-          <p:nvPicPr>
-            <p:cNvPr id="21" name="Picture 20">
-              <a:extLst>
-                <a:ext uri="{FF2B5EF4-FFF2-40B4-BE49-F238E27FC236}">
-                  <a16:creationId xmlns:a16="http://schemas.microsoft.com/office/drawing/2014/main" id="{39312405-2AE2-8141-A9C6-FD6F994585B2}"/>
-                </a:ext>
-              </a:extLst>
-            </p:cNvPr>
-            <p:cNvPicPr>
-              <a:picLocks noChangeAspect="1"/>
-            </p:cNvPicPr>
-            <p:nvPr/>
-          </p:nvPicPr>
-          <p:blipFill>
-            <a:blip r:embed="rId5"/>
-            <a:stretch>
-              <a:fillRect/>
-            </a:stretch>
-          </p:blipFill>
-          <p:spPr>
-            <a:xfrm>
-              <a:off x="6511162" y="3031018"/>
-              <a:ext cx="1565513" cy="1565513"/>
-            </a:xfrm>
-            <a:prstGeom prst="rect">
-              <a:avLst/>
-            </a:prstGeom>
-          </p:spPr>
-        </p:pic>
-        <p:sp>
-          <p:nvSpPr>
-            <p:cNvPr id="22" name="TextBox 21">
-              <a:extLst>
-                <a:ext uri="{FF2B5EF4-FFF2-40B4-BE49-F238E27FC236}">
-                  <a16:creationId xmlns:a16="http://schemas.microsoft.com/office/drawing/2014/main" id="{48B30184-B204-7A47-AA96-3BAB9C8C16C5}"/>
+                  <a16:creationId xmlns:a16="http://schemas.microsoft.com/office/drawing/2014/main" id="{466185CB-4B17-6A4B-A17B-933CF94E0599}"/>
                 </a:ext>
               </a:extLst>
             </p:cNvPr>
@@ -3777,88 +3801,7 @@
           </p:nvSpPr>
           <p:spPr>
             <a:xfrm>
-              <a:off x="6250053" y="1535067"/>
-              <a:ext cx="2020617" cy="830997"/>
-            </a:xfrm>
-            <a:prstGeom prst="rect">
-              <a:avLst/>
-            </a:prstGeom>
-            <a:noFill/>
-          </p:spPr>
-          <p:txBody>
-            <a:bodyPr wrap="none" rtlCol="0">
-              <a:spAutoFit/>
-            </a:bodyPr>
-            <a:lstStyle/>
-            <a:p>
-              <a:pPr algn="ctr"/>
-              <a:r>
-                <a:rPr lang="en-US" sz="2400" b="1" dirty="0">
-                  <a:solidFill>
-                    <a:srgbClr val="C00000"/>
-                  </a:solidFill>
-                </a:rPr>
-                <a:t>Data Cleaning </a:t>
-              </a:r>
-            </a:p>
-            <a:p>
-              <a:pPr algn="ctr"/>
-              <a:r>
-                <a:rPr lang="en-US" sz="2400" b="1" dirty="0">
-                  <a:solidFill>
-                    <a:srgbClr val="C00000"/>
-                  </a:solidFill>
-                </a:rPr>
-                <a:t>and Scoring</a:t>
-              </a:r>
-            </a:p>
-          </p:txBody>
-        </p:sp>
-        <p:pic>
-          <p:nvPicPr>
-            <p:cNvPr id="23" name="Picture 22">
-              <a:extLst>
-                <a:ext uri="{FF2B5EF4-FFF2-40B4-BE49-F238E27FC236}">
-                  <a16:creationId xmlns:a16="http://schemas.microsoft.com/office/drawing/2014/main" id="{1C633E0C-A852-5043-A52A-48C84F1166E7}"/>
-                </a:ext>
-              </a:extLst>
-            </p:cNvPr>
-            <p:cNvPicPr>
-              <a:picLocks noChangeAspect="1"/>
-            </p:cNvPicPr>
-            <p:nvPr/>
-          </p:nvPicPr>
-          <p:blipFill>
-            <a:blip r:embed="rId6"/>
-            <a:stretch>
-              <a:fillRect/>
-            </a:stretch>
-          </p:blipFill>
-          <p:spPr>
-            <a:xfrm>
-              <a:off x="8689981" y="1978707"/>
-              <a:ext cx="1405418" cy="1405418"/>
-            </a:xfrm>
-            <a:prstGeom prst="rect">
-              <a:avLst/>
-            </a:prstGeom>
-          </p:spPr>
-        </p:pic>
-        <p:sp>
-          <p:nvSpPr>
-            <p:cNvPr id="24" name="TextBox 23">
-              <a:extLst>
-                <a:ext uri="{FF2B5EF4-FFF2-40B4-BE49-F238E27FC236}">
-                  <a16:creationId xmlns:a16="http://schemas.microsoft.com/office/drawing/2014/main" id="{E61E8250-E7E1-7B40-BA06-038DDE991D7C}"/>
-                </a:ext>
-              </a:extLst>
-            </p:cNvPr>
-            <p:cNvSpPr txBox="1"/>
-            <p:nvPr/>
-          </p:nvSpPr>
-          <p:spPr>
-            <a:xfrm>
-              <a:off x="8868412" y="3720739"/>
+              <a:off x="6514084" y="4285372"/>
               <a:ext cx="1048557" cy="830997"/>
             </a:xfrm>
             <a:prstGeom prst="rect">
@@ -3895,54 +3838,123 @@
             </a:p>
           </p:txBody>
         </p:sp>
-        <p:cxnSp>
-          <p:nvCxnSpPr>
-            <p:cNvPr id="25" name="Straight Arrow Connector 24">
+        <p:grpSp>
+          <p:nvGrpSpPr>
+            <p:cNvPr id="24" name="Group 23">
               <a:extLst>
                 <a:ext uri="{FF2B5EF4-FFF2-40B4-BE49-F238E27FC236}">
-                  <a16:creationId xmlns:a16="http://schemas.microsoft.com/office/drawing/2014/main" id="{3E98A928-9E7F-5D41-AC5F-CCB4CEBE5DBA}"/>
+                  <a16:creationId xmlns:a16="http://schemas.microsoft.com/office/drawing/2014/main" id="{D508314E-5C39-0F40-A997-24C3D5AF49B9}"/>
                 </a:ext>
               </a:extLst>
             </p:cNvPr>
-            <p:cNvCxnSpPr/>
+            <p:cNvGrpSpPr/>
             <p:nvPr/>
-          </p:nvCxnSpPr>
+          </p:nvGrpSpPr>
+          <p:grpSpPr>
+            <a:xfrm>
+              <a:off x="10107085" y="2541252"/>
+              <a:ext cx="830997" cy="1632615"/>
+              <a:chOff x="12548129" y="2436729"/>
+              <a:chExt cx="830997" cy="1632615"/>
+            </a:xfrm>
+          </p:grpSpPr>
+          <p:pic>
+            <p:nvPicPr>
+              <p:cNvPr id="21" name="Picture 20">
+                <a:extLst>
+                  <a:ext uri="{FF2B5EF4-FFF2-40B4-BE49-F238E27FC236}">
+                    <a16:creationId xmlns:a16="http://schemas.microsoft.com/office/drawing/2014/main" id="{D061980E-0C8F-9646-9ACD-0E602BD55570}"/>
+                  </a:ext>
+                </a:extLst>
+              </p:cNvPr>
+              <p:cNvPicPr>
+                <a:picLocks noChangeAspect="1"/>
+              </p:cNvPicPr>
+              <p:nvPr/>
+            </p:nvPicPr>
+            <p:blipFill>
+              <a:blip r:embed="rId7"/>
+              <a:stretch>
+                <a:fillRect/>
+              </a:stretch>
+            </p:blipFill>
+            <p:spPr>
+              <a:xfrm>
+                <a:off x="12548129" y="2436729"/>
+                <a:ext cx="830997" cy="830997"/>
+              </a:xfrm>
+              <a:prstGeom prst="rect">
+                <a:avLst/>
+              </a:prstGeom>
+            </p:spPr>
+          </p:pic>
+          <p:pic>
+            <p:nvPicPr>
+              <p:cNvPr id="22" name="Picture 21">
+                <a:extLst>
+                  <a:ext uri="{FF2B5EF4-FFF2-40B4-BE49-F238E27FC236}">
+                    <a16:creationId xmlns:a16="http://schemas.microsoft.com/office/drawing/2014/main" id="{A478EEDE-0586-9F49-AF9E-4A85559B6B4B}"/>
+                  </a:ext>
+                </a:extLst>
+              </p:cNvPr>
+              <p:cNvPicPr>
+                <a:picLocks noChangeAspect="1"/>
+              </p:cNvPicPr>
+              <p:nvPr/>
+            </p:nvPicPr>
+            <p:blipFill>
+              <a:blip r:embed="rId8"/>
+              <a:stretch>
+                <a:fillRect/>
+              </a:stretch>
+            </p:blipFill>
+            <p:spPr>
+              <a:xfrm>
+                <a:off x="12576716" y="3295520"/>
+                <a:ext cx="773824" cy="773824"/>
+              </a:xfrm>
+              <a:prstGeom prst="rect">
+                <a:avLst/>
+              </a:prstGeom>
+            </p:spPr>
+          </p:pic>
+        </p:grpSp>
+        <p:pic>
+          <p:nvPicPr>
+            <p:cNvPr id="23" name="Picture 22">
+              <a:extLst>
+                <a:ext uri="{FF2B5EF4-FFF2-40B4-BE49-F238E27FC236}">
+                  <a16:creationId xmlns:a16="http://schemas.microsoft.com/office/drawing/2014/main" id="{6008C370-B2B4-E946-92FF-BE8B82C773D6}"/>
+                </a:ext>
+              </a:extLst>
+            </p:cNvPr>
+            <p:cNvPicPr>
+              <a:picLocks noChangeAspect="1"/>
+            </p:cNvPicPr>
+            <p:nvPr/>
+          </p:nvPicPr>
+          <p:blipFill>
+            <a:blip r:embed="rId9"/>
+            <a:stretch>
+              <a:fillRect/>
+            </a:stretch>
+          </p:blipFill>
           <p:spPr>
             <a:xfrm>
-              <a:off x="10812849" y="2683132"/>
-              <a:ext cx="1445740" cy="0"/>
+              <a:off x="8412528" y="4106602"/>
+              <a:ext cx="702922" cy="813709"/>
             </a:xfrm>
-            <a:prstGeom prst="straightConnector1">
+            <a:prstGeom prst="rect">
               <a:avLst/>
             </a:prstGeom>
-            <a:ln w="114300">
-              <a:solidFill>
-                <a:srgbClr val="4599BD"/>
-              </a:solidFill>
-              <a:tailEnd type="triangle"/>
-            </a:ln>
           </p:spPr>
-          <p:style>
-            <a:lnRef idx="1">
-              <a:schemeClr val="accent1"/>
-            </a:lnRef>
-            <a:fillRef idx="0">
-              <a:schemeClr val="accent1"/>
-            </a:fillRef>
-            <a:effectRef idx="0">
-              <a:schemeClr val="accent1"/>
-            </a:effectRef>
-            <a:fontRef idx="minor">
-              <a:schemeClr val="tx1"/>
-            </a:fontRef>
-          </p:style>
-        </p:cxnSp>
+        </p:pic>
         <p:sp>
           <p:nvSpPr>
             <p:cNvPr id="26" name="TextBox 25">
               <a:extLst>
                 <a:ext uri="{FF2B5EF4-FFF2-40B4-BE49-F238E27FC236}">
-                  <a16:creationId xmlns:a16="http://schemas.microsoft.com/office/drawing/2014/main" id="{5AB2A33F-828E-AE4C-B176-21CF7536D09C}"/>
+                  <a16:creationId xmlns:a16="http://schemas.microsoft.com/office/drawing/2014/main" id="{9A94CDEE-5ECE-4C4B-A211-57170F618DF8}"/>
                 </a:ext>
               </a:extLst>
             </p:cNvPr>
@@ -3951,8 +3963,8 @@
           </p:nvSpPr>
           <p:spPr>
             <a:xfrm>
-              <a:off x="10782589" y="1535066"/>
-              <a:ext cx="1492780" cy="830997"/>
+              <a:off x="9965338" y="4255919"/>
+              <a:ext cx="1172437" cy="830997"/>
             </a:xfrm>
             <a:prstGeom prst="rect">
               <a:avLst/>
@@ -3972,7 +3984,7 @@
                     <a:srgbClr val="C00000"/>
                   </a:solidFill>
                 </a:rPr>
-                <a:t>Statistical </a:t>
+                <a:t>Results </a:t>
               </a:r>
             </a:p>
             <a:p>
@@ -3983,17 +3995,482 @@
                     <a:srgbClr val="C00000"/>
                   </a:solidFill>
                 </a:rPr>
-                <a:t>Analysis</a:t>
+                <a:t>Output</a:t>
+              </a:r>
+            </a:p>
+          </p:txBody>
+        </p:sp>
+        <p:sp>
+          <p:nvSpPr>
+            <p:cNvPr id="37" name="Rectangle 36">
+              <a:extLst>
+                <a:ext uri="{FF2B5EF4-FFF2-40B4-BE49-F238E27FC236}">
+                  <a16:creationId xmlns:a16="http://schemas.microsoft.com/office/drawing/2014/main" id="{E4292A19-C0BA-1040-A6D2-AAC7F9388EF4}"/>
+                </a:ext>
+              </a:extLst>
+            </p:cNvPr>
+            <p:cNvSpPr/>
+            <p:nvPr/>
+          </p:nvSpPr>
+          <p:spPr>
+            <a:xfrm>
+              <a:off x="730183" y="1894471"/>
+              <a:ext cx="535723" cy="769441"/>
+            </a:xfrm>
+            <a:prstGeom prst="rect">
+              <a:avLst/>
+            </a:prstGeom>
+            <a:noFill/>
+          </p:spPr>
+          <p:txBody>
+            <a:bodyPr wrap="square" lIns="91440" tIns="45720" rIns="91440" bIns="45720">
+              <a:spAutoFit/>
+            </a:bodyPr>
+            <a:lstStyle/>
+            <a:p>
+              <a:pPr algn="ctr"/>
+              <a:r>
+                <a:rPr lang="en-US" sz="4400" b="0" cap="none" spc="0" dirty="0">
+                  <a:ln w="0"/>
+                  <a:solidFill>
+                    <a:schemeClr val="accent1">
+                      <a:lumMod val="60000"/>
+                      <a:lumOff val="40000"/>
+                    </a:schemeClr>
+                  </a:solidFill>
+                  <a:effectLst>
+                    <a:outerShdw blurRad="38100" dist="25400" dir="5400000" algn="ctr" rotWithShape="0">
+                      <a:srgbClr val="6E747A">
+                        <a:alpha val="43000"/>
+                      </a:srgbClr>
+                    </a:outerShdw>
+                  </a:effectLst>
+                </a:rPr>
+                <a:t>1</a:t>
+              </a:r>
+            </a:p>
+          </p:txBody>
+        </p:sp>
+        <p:sp>
+          <p:nvSpPr>
+            <p:cNvPr id="38" name="Rectangle 37">
+              <a:extLst>
+                <a:ext uri="{FF2B5EF4-FFF2-40B4-BE49-F238E27FC236}">
+                  <a16:creationId xmlns:a16="http://schemas.microsoft.com/office/drawing/2014/main" id="{BB6FC7BE-DD9A-1D49-BABA-2EDA0F8BD0CA}"/>
+                </a:ext>
+              </a:extLst>
+            </p:cNvPr>
+            <p:cNvSpPr/>
+            <p:nvPr/>
+          </p:nvSpPr>
+          <p:spPr>
+            <a:xfrm>
+              <a:off x="4696429" y="1894471"/>
+              <a:ext cx="535723" cy="769441"/>
+            </a:xfrm>
+            <a:prstGeom prst="rect">
+              <a:avLst/>
+            </a:prstGeom>
+            <a:noFill/>
+          </p:spPr>
+          <p:txBody>
+            <a:bodyPr wrap="square" lIns="91440" tIns="45720" rIns="91440" bIns="45720">
+              <a:spAutoFit/>
+            </a:bodyPr>
+            <a:lstStyle/>
+            <a:p>
+              <a:pPr algn="ctr"/>
+              <a:r>
+                <a:rPr lang="en-US" sz="4400" dirty="0">
+                  <a:ln w="0"/>
+                  <a:solidFill>
+                    <a:schemeClr val="accent1">
+                      <a:lumMod val="60000"/>
+                      <a:lumOff val="40000"/>
+                    </a:schemeClr>
+                  </a:solidFill>
+                  <a:effectLst>
+                    <a:outerShdw blurRad="38100" dist="25400" dir="5400000" algn="ctr" rotWithShape="0">
+                      <a:srgbClr val="6E747A">
+                        <a:alpha val="43000"/>
+                      </a:srgbClr>
+                    </a:outerShdw>
+                  </a:effectLst>
+                </a:rPr>
+                <a:t>2</a:t>
+              </a:r>
+              <a:endParaRPr lang="en-US" sz="4400" b="0" cap="none" spc="0" dirty="0">
+                <a:ln w="0"/>
+                <a:solidFill>
+                  <a:schemeClr val="accent1">
+                    <a:lumMod val="60000"/>
+                    <a:lumOff val="40000"/>
+                  </a:schemeClr>
+                </a:solidFill>
+                <a:effectLst>
+                  <a:outerShdw blurRad="38100" dist="25400" dir="5400000" algn="ctr" rotWithShape="0">
+                    <a:srgbClr val="6E747A">
+                      <a:alpha val="43000"/>
+                    </a:srgbClr>
+                  </a:outerShdw>
+                </a:effectLst>
+              </a:endParaRPr>
+            </a:p>
+          </p:txBody>
+        </p:sp>
+        <p:sp>
+          <p:nvSpPr>
+            <p:cNvPr id="39" name="Rectangle 38">
+              <a:extLst>
+                <a:ext uri="{FF2B5EF4-FFF2-40B4-BE49-F238E27FC236}">
+                  <a16:creationId xmlns:a16="http://schemas.microsoft.com/office/drawing/2014/main" id="{187F0FBA-39C5-5C43-BDF8-B655F810DC3C}"/>
+                </a:ext>
+              </a:extLst>
+            </p:cNvPr>
+            <p:cNvSpPr/>
+            <p:nvPr/>
+          </p:nvSpPr>
+          <p:spPr>
+            <a:xfrm>
+              <a:off x="8414514" y="1894471"/>
+              <a:ext cx="535723" cy="769441"/>
+            </a:xfrm>
+            <a:prstGeom prst="rect">
+              <a:avLst/>
+            </a:prstGeom>
+            <a:noFill/>
+          </p:spPr>
+          <p:txBody>
+            <a:bodyPr wrap="square" lIns="91440" tIns="45720" rIns="91440" bIns="45720">
+              <a:spAutoFit/>
+            </a:bodyPr>
+            <a:lstStyle/>
+            <a:p>
+              <a:pPr algn="ctr"/>
+              <a:r>
+                <a:rPr lang="en-US" sz="4400" b="0" cap="none" spc="0" dirty="0">
+                  <a:ln w="0"/>
+                  <a:solidFill>
+                    <a:schemeClr val="accent1">
+                      <a:lumMod val="60000"/>
+                      <a:lumOff val="40000"/>
+                    </a:schemeClr>
+                  </a:solidFill>
+                  <a:effectLst>
+                    <a:outerShdw blurRad="38100" dist="25400" dir="5400000" algn="ctr" rotWithShape="0">
+                      <a:srgbClr val="6E747A">
+                        <a:alpha val="43000"/>
+                      </a:srgbClr>
+                    </a:outerShdw>
+                  </a:effectLst>
+                </a:rPr>
+                <a:t>3</a:t>
               </a:r>
             </a:p>
           </p:txBody>
         </p:sp>
         <p:pic>
           <p:nvPicPr>
-            <p:cNvPr id="27" name="Picture 26">
+            <p:cNvPr id="43" name="Picture 42">
               <a:extLst>
                 <a:ext uri="{FF2B5EF4-FFF2-40B4-BE49-F238E27FC236}">
-                  <a16:creationId xmlns:a16="http://schemas.microsoft.com/office/drawing/2014/main" id="{B915DAEC-5D42-2E45-BDC9-9DEAA203492C}"/>
+                  <a16:creationId xmlns:a16="http://schemas.microsoft.com/office/drawing/2014/main" id="{7934058C-A196-CE4C-9160-3A335C9FE3D6}"/>
+                </a:ext>
+              </a:extLst>
+            </p:cNvPr>
+            <p:cNvPicPr>
+              <a:picLocks noChangeAspect="1"/>
+            </p:cNvPicPr>
+            <p:nvPr/>
+          </p:nvPicPr>
+          <p:blipFill>
+            <a:blip r:embed="rId10"/>
+            <a:stretch>
+              <a:fillRect/>
+            </a:stretch>
+          </p:blipFill>
+          <p:spPr>
+            <a:xfrm>
+              <a:off x="4698345" y="4164115"/>
+              <a:ext cx="702922" cy="702922"/>
+            </a:xfrm>
+            <a:prstGeom prst="rect">
+              <a:avLst/>
+            </a:prstGeom>
+          </p:spPr>
+        </p:pic>
+        <p:pic>
+          <p:nvPicPr>
+            <p:cNvPr id="44" name="Picture 43">
+              <a:extLst>
+                <a:ext uri="{FF2B5EF4-FFF2-40B4-BE49-F238E27FC236}">
+                  <a16:creationId xmlns:a16="http://schemas.microsoft.com/office/drawing/2014/main" id="{4D75A046-0AD9-B845-86B4-8588539FFE1D}"/>
+                </a:ext>
+              </a:extLst>
+            </p:cNvPr>
+            <p:cNvPicPr>
+              <a:picLocks noChangeAspect="1"/>
+            </p:cNvPicPr>
+            <p:nvPr/>
+          </p:nvPicPr>
+          <p:blipFill>
+            <a:blip r:embed="rId10"/>
+            <a:stretch>
+              <a:fillRect/>
+            </a:stretch>
+          </p:blipFill>
+          <p:spPr>
+            <a:xfrm>
+              <a:off x="562984" y="4158845"/>
+              <a:ext cx="702922" cy="702922"/>
+            </a:xfrm>
+            <a:prstGeom prst="rect">
+              <a:avLst/>
+            </a:prstGeom>
+          </p:spPr>
+        </p:pic>
+      </p:grpSp>
+    </p:spTree>
+    <p:extLst>
+      <p:ext uri="{BB962C8B-B14F-4D97-AF65-F5344CB8AC3E}">
+        <p14:creationId xmlns:p14="http://schemas.microsoft.com/office/powerpoint/2010/main" val="1005125777"/>
+      </p:ext>
+    </p:extLst>
+  </p:cSld>
+  <p:clrMapOvr>
+    <a:masterClrMapping/>
+  </p:clrMapOvr>
+</p:sld>
+</file>
+
+<file path=ppt/slides/slide2.xml><?xml version="1.0" encoding="utf-8"?>
+<p:sld xmlns:a="http://schemas.openxmlformats.org/drawingml/2006/main" xmlns:r="http://schemas.openxmlformats.org/officeDocument/2006/relationships" xmlns:p="http://schemas.openxmlformats.org/presentationml/2006/main">
+  <p:cSld>
+    <p:spTree>
+      <p:nvGrpSpPr>
+        <p:cNvPr id="1" name=""/>
+        <p:cNvGrpSpPr/>
+        <p:nvPr/>
+      </p:nvGrpSpPr>
+      <p:grpSpPr>
+        <a:xfrm>
+          <a:off x="0" y="0"/>
+          <a:ext cx="0" cy="0"/>
+          <a:chOff x="0" y="0"/>
+          <a:chExt cx="0" cy="0"/>
+        </a:xfrm>
+      </p:grpSpPr>
+      <p:sp>
+        <p:nvSpPr>
+          <p:cNvPr id="6" name="Notched Right Arrow 5">
+            <a:extLst>
+              <a:ext uri="{FF2B5EF4-FFF2-40B4-BE49-F238E27FC236}">
+                <a16:creationId xmlns:a16="http://schemas.microsoft.com/office/drawing/2014/main" id="{7E2A85A5-9B8C-6343-A1E2-2DE748C87A2E}"/>
+              </a:ext>
+            </a:extLst>
+          </p:cNvPr>
+          <p:cNvSpPr/>
+          <p:nvPr/>
+        </p:nvSpPr>
+        <p:spPr>
+          <a:xfrm>
+            <a:off x="2515944" y="2288357"/>
+            <a:ext cx="2163018" cy="1387297"/>
+          </a:xfrm>
+          <a:prstGeom prst="notchedRightArrow">
+            <a:avLst/>
+          </a:prstGeom>
+        </p:spPr>
+        <p:style>
+          <a:lnRef idx="2">
+            <a:schemeClr val="accent1">
+              <a:shade val="50000"/>
+            </a:schemeClr>
+          </a:lnRef>
+          <a:fillRef idx="1">
+            <a:schemeClr val="accent1"/>
+          </a:fillRef>
+          <a:effectRef idx="0">
+            <a:schemeClr val="accent1"/>
+          </a:effectRef>
+          <a:fontRef idx="minor">
+            <a:schemeClr val="lt1"/>
+          </a:fontRef>
+        </p:style>
+        <p:txBody>
+          <a:bodyPr rtlCol="0" anchor="ctr"/>
+          <a:lstStyle/>
+          <a:p>
+            <a:pPr algn="ctr"/>
+            <a:r>
+              <a:rPr lang="en-US" b="1" dirty="0"/>
+              <a:t>Data Analysis</a:t>
+            </a:r>
+          </a:p>
+        </p:txBody>
+      </p:sp>
+      <p:pic>
+        <p:nvPicPr>
+          <p:cNvPr id="12" name="Picture 11">
+            <a:extLst>
+              <a:ext uri="{FF2B5EF4-FFF2-40B4-BE49-F238E27FC236}">
+                <a16:creationId xmlns:a16="http://schemas.microsoft.com/office/drawing/2014/main" id="{9774697A-2248-8345-8EC0-86CF904EDAB1}"/>
+              </a:ext>
+            </a:extLst>
+          </p:cNvPr>
+          <p:cNvPicPr>
+            <a:picLocks noChangeAspect="1"/>
+          </p:cNvPicPr>
+          <p:nvPr/>
+        </p:nvPicPr>
+        <p:blipFill>
+          <a:blip r:embed="rId2">
+            <a:duotone>
+              <a:srgbClr val="4472C4">
+                <a:shade val="45000"/>
+                <a:satMod val="135000"/>
+              </a:srgbClr>
+              <a:prstClr val="white"/>
+            </a:duotone>
+            <a:extLst>
+              <a:ext uri="{BEBA8EAE-BF5A-486C-A8C5-ECC9F3942E4B}">
+                <a14:imgProps xmlns:a14="http://schemas.microsoft.com/office/drawing/2010/main">
+                  <a14:imgLayer r:embed="rId3">
+                    <a14:imgEffect>
+                      <a14:colorTemperature colorTemp="5497"/>
+                    </a14:imgEffect>
+                    <a14:imgEffect>
+                      <a14:saturation sat="369000"/>
+                    </a14:imgEffect>
+                    <a14:imgEffect>
+                      <a14:brightnessContrast bright="-40000" contrast="40000"/>
+                    </a14:imgEffect>
+                  </a14:imgLayer>
+                </a14:imgProps>
+              </a:ext>
+            </a:extLst>
+          </a:blip>
+          <a:stretch>
+            <a:fillRect/>
+          </a:stretch>
+        </p:blipFill>
+        <p:spPr>
+          <a:xfrm>
+            <a:off x="958323" y="2288355"/>
+            <a:ext cx="1387297" cy="1387297"/>
+          </a:xfrm>
+          <a:prstGeom prst="rect">
+            <a:avLst/>
+          </a:prstGeom>
+        </p:spPr>
+      </p:pic>
+      <p:sp>
+        <p:nvSpPr>
+          <p:cNvPr id="14" name="TextBox 13">
+            <a:extLst>
+              <a:ext uri="{FF2B5EF4-FFF2-40B4-BE49-F238E27FC236}">
+                <a16:creationId xmlns:a16="http://schemas.microsoft.com/office/drawing/2014/main" id="{466185CB-4B17-6A4B-A17B-933CF94E0599}"/>
+              </a:ext>
+            </a:extLst>
+          </p:cNvPr>
+          <p:cNvSpPr txBox="1"/>
+          <p:nvPr/>
+        </p:nvSpPr>
+        <p:spPr>
+          <a:xfrm>
+            <a:off x="1256284" y="3909815"/>
+            <a:ext cx="1048557" cy="830997"/>
+          </a:xfrm>
+          <a:prstGeom prst="rect">
+            <a:avLst/>
+          </a:prstGeom>
+          <a:noFill/>
+        </p:spPr>
+        <p:txBody>
+          <a:bodyPr wrap="none" rtlCol="0">
+            <a:spAutoFit/>
+          </a:bodyPr>
+          <a:lstStyle/>
+          <a:p>
+            <a:pPr algn="ctr"/>
+            <a:r>
+              <a:rPr lang="en-US" sz="2400" b="1" dirty="0">
+                <a:solidFill>
+                  <a:srgbClr val="C00000"/>
+                </a:solidFill>
+              </a:rPr>
+              <a:t>Scored</a:t>
+            </a:r>
+          </a:p>
+          <a:p>
+            <a:pPr algn="ctr"/>
+            <a:r>
+              <a:rPr lang="en-US" sz="2400" b="1" dirty="0">
+                <a:solidFill>
+                  <a:srgbClr val="C00000"/>
+                </a:solidFill>
+              </a:rPr>
+              <a:t>Data</a:t>
+            </a:r>
+          </a:p>
+        </p:txBody>
+      </p:sp>
+      <p:grpSp>
+        <p:nvGrpSpPr>
+          <p:cNvPr id="24" name="Group 23">
+            <a:extLst>
+              <a:ext uri="{FF2B5EF4-FFF2-40B4-BE49-F238E27FC236}">
+                <a16:creationId xmlns:a16="http://schemas.microsoft.com/office/drawing/2014/main" id="{D508314E-5C39-0F40-A997-24C3D5AF49B9}"/>
+              </a:ext>
+            </a:extLst>
+          </p:cNvPr>
+          <p:cNvGrpSpPr/>
+          <p:nvPr/>
+        </p:nvGrpSpPr>
+        <p:grpSpPr>
+          <a:xfrm>
+            <a:off x="9817803" y="2410624"/>
+            <a:ext cx="830997" cy="1632615"/>
+            <a:chOff x="12548129" y="2436729"/>
+            <a:chExt cx="830997" cy="1632615"/>
+          </a:xfrm>
+        </p:grpSpPr>
+        <p:pic>
+          <p:nvPicPr>
+            <p:cNvPr id="21" name="Picture 20">
+              <a:extLst>
+                <a:ext uri="{FF2B5EF4-FFF2-40B4-BE49-F238E27FC236}">
+                  <a16:creationId xmlns:a16="http://schemas.microsoft.com/office/drawing/2014/main" id="{D061980E-0C8F-9646-9ACD-0E602BD55570}"/>
+                </a:ext>
+              </a:extLst>
+            </p:cNvPr>
+            <p:cNvPicPr>
+              <a:picLocks noChangeAspect="1"/>
+            </p:cNvPicPr>
+            <p:nvPr/>
+          </p:nvPicPr>
+          <p:blipFill>
+            <a:blip r:embed="rId4"/>
+            <a:stretch>
+              <a:fillRect/>
+            </a:stretch>
+          </p:blipFill>
+          <p:spPr>
+            <a:xfrm>
+              <a:off x="12548129" y="2436729"/>
+              <a:ext cx="830997" cy="830997"/>
+            </a:xfrm>
+            <a:prstGeom prst="rect">
+              <a:avLst/>
+            </a:prstGeom>
+          </p:spPr>
+        </p:pic>
+        <p:pic>
+          <p:nvPicPr>
+            <p:cNvPr id="22" name="Picture 21">
+              <a:extLst>
+                <a:ext uri="{FF2B5EF4-FFF2-40B4-BE49-F238E27FC236}">
+                  <a16:creationId xmlns:a16="http://schemas.microsoft.com/office/drawing/2014/main" id="{A478EEDE-0586-9F49-AF9E-4A85559B6B4B}"/>
                 </a:ext>
               </a:extLst>
             </p:cNvPr>
@@ -4010,269 +4487,207 @@
           </p:blipFill>
           <p:spPr>
             <a:xfrm>
-              <a:off x="10540822" y="3780440"/>
-              <a:ext cx="774920" cy="774920"/>
+              <a:off x="12576716" y="3295520"/>
+              <a:ext cx="773824" cy="773824"/>
             </a:xfrm>
             <a:prstGeom prst="rect">
               <a:avLst/>
             </a:prstGeom>
           </p:spPr>
         </p:pic>
-        <p:pic>
-          <p:nvPicPr>
-            <p:cNvPr id="29" name="Picture 28">
-              <a:extLst>
-                <a:ext uri="{FF2B5EF4-FFF2-40B4-BE49-F238E27FC236}">
-                  <a16:creationId xmlns:a16="http://schemas.microsoft.com/office/drawing/2014/main" id="{B08ABCA5-B992-EF42-898A-09081FD0E156}"/>
-                </a:ext>
-              </a:extLst>
-            </p:cNvPr>
-            <p:cNvPicPr>
-              <a:picLocks noChangeAspect="1"/>
-            </p:cNvPicPr>
-            <p:nvPr/>
-          </p:nvPicPr>
-          <p:blipFill>
-            <a:blip r:embed="rId7"/>
-            <a:stretch>
-              <a:fillRect/>
-            </a:stretch>
-          </p:blipFill>
-          <p:spPr>
-            <a:xfrm>
-              <a:off x="11163001" y="2951716"/>
-              <a:ext cx="731956" cy="731956"/>
-            </a:xfrm>
-            <a:prstGeom prst="rect">
-              <a:avLst/>
-            </a:prstGeom>
-          </p:spPr>
-        </p:pic>
-        <p:pic>
-          <p:nvPicPr>
-            <p:cNvPr id="31" name="Picture 30">
-              <a:extLst>
-                <a:ext uri="{FF2B5EF4-FFF2-40B4-BE49-F238E27FC236}">
-                  <a16:creationId xmlns:a16="http://schemas.microsoft.com/office/drawing/2014/main" id="{8B317A31-FA9A-0E43-AFDC-A1D0268A17DA}"/>
-                </a:ext>
-              </a:extLst>
-            </p:cNvPr>
-            <p:cNvPicPr>
-              <a:picLocks noChangeAspect="1"/>
-            </p:cNvPicPr>
-            <p:nvPr/>
-          </p:nvPicPr>
-          <p:blipFill>
-            <a:blip r:embed="rId8"/>
-            <a:stretch>
-              <a:fillRect/>
-            </a:stretch>
-          </p:blipFill>
-          <p:spPr>
-            <a:xfrm>
-              <a:off x="11894957" y="3756920"/>
-              <a:ext cx="502709" cy="758633"/>
-            </a:xfrm>
-            <a:prstGeom prst="rect">
-              <a:avLst/>
-            </a:prstGeom>
-          </p:spPr>
-        </p:pic>
-        <p:pic>
-          <p:nvPicPr>
-            <p:cNvPr id="33" name="Picture 32">
-              <a:extLst>
-                <a:ext uri="{FF2B5EF4-FFF2-40B4-BE49-F238E27FC236}">
-                  <a16:creationId xmlns:a16="http://schemas.microsoft.com/office/drawing/2014/main" id="{E88AE144-07B1-C243-83DD-36A72CDEA506}"/>
-                </a:ext>
-              </a:extLst>
-            </p:cNvPr>
-            <p:cNvPicPr>
-              <a:picLocks noChangeAspect="1"/>
-            </p:cNvPicPr>
-            <p:nvPr/>
-          </p:nvPicPr>
-          <p:blipFill>
-            <a:blip r:embed="rId9"/>
-            <a:stretch>
-              <a:fillRect/>
-            </a:stretch>
-          </p:blipFill>
-          <p:spPr>
-            <a:xfrm>
-              <a:off x="12843935" y="2163372"/>
-              <a:ext cx="1154322" cy="1154322"/>
-            </a:xfrm>
-            <a:prstGeom prst="rect">
-              <a:avLst/>
-            </a:prstGeom>
-          </p:spPr>
-        </p:pic>
-        <p:sp>
-          <p:nvSpPr>
-            <p:cNvPr id="34" name="TextBox 33">
-              <a:extLst>
-                <a:ext uri="{FF2B5EF4-FFF2-40B4-BE49-F238E27FC236}">
-                  <a16:creationId xmlns:a16="http://schemas.microsoft.com/office/drawing/2014/main" id="{2F99CFEF-C741-D24F-B1C2-F1D95E580A7E}"/>
-                </a:ext>
-              </a:extLst>
-            </p:cNvPr>
-            <p:cNvSpPr txBox="1"/>
-            <p:nvPr/>
-          </p:nvSpPr>
-          <p:spPr>
-            <a:xfrm>
-              <a:off x="13604295" y="3905403"/>
-              <a:ext cx="1103507" cy="461665"/>
-            </a:xfrm>
-            <a:prstGeom prst="rect">
-              <a:avLst/>
-            </a:prstGeom>
-            <a:noFill/>
-          </p:spPr>
-          <p:txBody>
-            <a:bodyPr wrap="none" rtlCol="0">
-              <a:spAutoFit/>
-            </a:bodyPr>
-            <a:lstStyle/>
-            <a:p>
-              <a:pPr algn="ctr"/>
-              <a:r>
-                <a:rPr lang="en-US" sz="2400" b="1" dirty="0">
-                  <a:solidFill>
-                    <a:srgbClr val="C00000"/>
-                  </a:solidFill>
-                </a:rPr>
-                <a:t>Results</a:t>
-              </a:r>
-            </a:p>
-          </p:txBody>
-        </p:sp>
-        <p:sp>
-          <p:nvSpPr>
-            <p:cNvPr id="28" name="TextBox 27">
-              <a:extLst>
-                <a:ext uri="{FF2B5EF4-FFF2-40B4-BE49-F238E27FC236}">
-                  <a16:creationId xmlns:a16="http://schemas.microsoft.com/office/drawing/2014/main" id="{55CA752F-CCA0-9848-95A0-7D4049E3452C}"/>
-                </a:ext>
-              </a:extLst>
-            </p:cNvPr>
-            <p:cNvSpPr txBox="1"/>
-            <p:nvPr/>
-          </p:nvSpPr>
-          <p:spPr>
-            <a:xfrm>
-              <a:off x="2612563" y="1041659"/>
-              <a:ext cx="421910" cy="461665"/>
-            </a:xfrm>
-            <a:prstGeom prst="rect">
-              <a:avLst/>
-            </a:prstGeom>
-            <a:noFill/>
-          </p:spPr>
-          <p:txBody>
-            <a:bodyPr wrap="none" rtlCol="0">
-              <a:spAutoFit/>
-            </a:bodyPr>
-            <a:lstStyle/>
-            <a:p>
-              <a:pPr algn="ctr"/>
-              <a:r>
-                <a:rPr lang="en-US" sz="2400" b="1" dirty="0">
-                  <a:solidFill>
-                    <a:srgbClr val="7030A0"/>
-                  </a:solidFill>
-                </a:rPr>
-                <a:t>1.</a:t>
-              </a:r>
-            </a:p>
-          </p:txBody>
-        </p:sp>
-        <p:sp>
-          <p:nvSpPr>
-            <p:cNvPr id="30" name="TextBox 29">
-              <a:extLst>
-                <a:ext uri="{FF2B5EF4-FFF2-40B4-BE49-F238E27FC236}">
-                  <a16:creationId xmlns:a16="http://schemas.microsoft.com/office/drawing/2014/main" id="{7EA94A16-DFA2-CF4D-A6E3-BB3F1296D8E5}"/>
-                </a:ext>
-              </a:extLst>
-            </p:cNvPr>
-            <p:cNvSpPr txBox="1"/>
-            <p:nvPr/>
-          </p:nvSpPr>
-          <p:spPr>
-            <a:xfrm>
-              <a:off x="7082962" y="1041658"/>
-              <a:ext cx="421910" cy="461665"/>
-            </a:xfrm>
-            <a:prstGeom prst="rect">
-              <a:avLst/>
-            </a:prstGeom>
-            <a:noFill/>
-          </p:spPr>
-          <p:txBody>
-            <a:bodyPr wrap="none" rtlCol="0">
-              <a:spAutoFit/>
-            </a:bodyPr>
-            <a:lstStyle/>
-            <a:p>
-              <a:pPr algn="ctr"/>
-              <a:r>
-                <a:rPr lang="en-US" sz="2400" b="1" dirty="0">
-                  <a:solidFill>
-                    <a:srgbClr val="7030A0"/>
-                  </a:solidFill>
-                </a:rPr>
-                <a:t>2.</a:t>
-              </a:r>
-            </a:p>
-          </p:txBody>
-        </p:sp>
-        <p:sp>
-          <p:nvSpPr>
-            <p:cNvPr id="32" name="TextBox 31">
-              <a:extLst>
-                <a:ext uri="{FF2B5EF4-FFF2-40B4-BE49-F238E27FC236}">
-                  <a16:creationId xmlns:a16="http://schemas.microsoft.com/office/drawing/2014/main" id="{7372F53E-1E44-2D4E-A645-013297154DD8}"/>
-                </a:ext>
-              </a:extLst>
-            </p:cNvPr>
-            <p:cNvSpPr txBox="1"/>
-            <p:nvPr/>
-          </p:nvSpPr>
-          <p:spPr>
-            <a:xfrm>
-              <a:off x="11378538" y="1035358"/>
-              <a:ext cx="421910" cy="461665"/>
-            </a:xfrm>
-            <a:prstGeom prst="rect">
-              <a:avLst/>
-            </a:prstGeom>
-            <a:noFill/>
-          </p:spPr>
-          <p:txBody>
-            <a:bodyPr wrap="none" rtlCol="0">
-              <a:spAutoFit/>
-            </a:bodyPr>
-            <a:lstStyle/>
-            <a:p>
-              <a:pPr algn="ctr"/>
-              <a:r>
-                <a:rPr lang="en-US" sz="2400" b="1" dirty="0">
-                  <a:solidFill>
-                    <a:srgbClr val="7030A0"/>
-                  </a:solidFill>
-                </a:rPr>
-                <a:t>3.</a:t>
-              </a:r>
-            </a:p>
-          </p:txBody>
-        </p:sp>
       </p:grpSp>
+      <p:pic>
+        <p:nvPicPr>
+          <p:cNvPr id="23" name="Picture 22">
+            <a:extLst>
+              <a:ext uri="{FF2B5EF4-FFF2-40B4-BE49-F238E27FC236}">
+                <a16:creationId xmlns:a16="http://schemas.microsoft.com/office/drawing/2014/main" id="{6008C370-B2B4-E946-92FF-BE8B82C773D6}"/>
+              </a:ext>
+            </a:extLst>
+          </p:cNvPr>
+          <p:cNvPicPr>
+            <a:picLocks noChangeAspect="1"/>
+          </p:cNvPicPr>
+          <p:nvPr/>
+        </p:nvPicPr>
+        <p:blipFill>
+          <a:blip r:embed="rId6"/>
+          <a:stretch>
+            <a:fillRect/>
+          </a:stretch>
+        </p:blipFill>
+        <p:spPr>
+          <a:xfrm>
+            <a:off x="3154728" y="3731045"/>
+            <a:ext cx="702922" cy="813709"/>
+          </a:xfrm>
+          <a:prstGeom prst="rect">
+            <a:avLst/>
+          </a:prstGeom>
+        </p:spPr>
+      </p:pic>
+      <p:sp>
+        <p:nvSpPr>
+          <p:cNvPr id="26" name="TextBox 25">
+            <a:extLst>
+              <a:ext uri="{FF2B5EF4-FFF2-40B4-BE49-F238E27FC236}">
+                <a16:creationId xmlns:a16="http://schemas.microsoft.com/office/drawing/2014/main" id="{9A94CDEE-5ECE-4C4B-A211-57170F618DF8}"/>
+              </a:ext>
+            </a:extLst>
+          </p:cNvPr>
+          <p:cNvSpPr txBox="1"/>
+          <p:nvPr/>
+        </p:nvSpPr>
+        <p:spPr>
+          <a:xfrm>
+            <a:off x="9676056" y="4125291"/>
+            <a:ext cx="1172437" cy="830997"/>
+          </a:xfrm>
+          <a:prstGeom prst="rect">
+            <a:avLst/>
+          </a:prstGeom>
+          <a:noFill/>
+        </p:spPr>
+        <p:txBody>
+          <a:bodyPr wrap="none" rtlCol="0">
+            <a:spAutoFit/>
+          </a:bodyPr>
+          <a:lstStyle/>
+          <a:p>
+            <a:pPr algn="ctr"/>
+            <a:r>
+              <a:rPr lang="en-US" sz="2400" b="1" dirty="0">
+                <a:solidFill>
+                  <a:srgbClr val="C00000"/>
+                </a:solidFill>
+              </a:rPr>
+              <a:t>Results </a:t>
+            </a:r>
+          </a:p>
+          <a:p>
+            <a:pPr algn="ctr"/>
+            <a:r>
+              <a:rPr lang="en-US" sz="2400" b="1" dirty="0">
+                <a:solidFill>
+                  <a:srgbClr val="C00000"/>
+                </a:solidFill>
+              </a:rPr>
+              <a:t>Output</a:t>
+            </a:r>
+          </a:p>
+        </p:txBody>
+      </p:sp>
+      <p:sp>
+        <p:nvSpPr>
+          <p:cNvPr id="39" name="Rectangle 38">
+            <a:extLst>
+              <a:ext uri="{FF2B5EF4-FFF2-40B4-BE49-F238E27FC236}">
+                <a16:creationId xmlns:a16="http://schemas.microsoft.com/office/drawing/2014/main" id="{187F0FBA-39C5-5C43-BDF8-B655F810DC3C}"/>
+              </a:ext>
+            </a:extLst>
+          </p:cNvPr>
+          <p:cNvSpPr/>
+          <p:nvPr/>
+        </p:nvSpPr>
+        <p:spPr>
+          <a:xfrm>
+            <a:off x="3156714" y="1518914"/>
+            <a:ext cx="535723" cy="769441"/>
+          </a:xfrm>
+          <a:prstGeom prst="rect">
+            <a:avLst/>
+          </a:prstGeom>
+          <a:noFill/>
+        </p:spPr>
+        <p:txBody>
+          <a:bodyPr wrap="square" lIns="91440" tIns="45720" rIns="91440" bIns="45720">
+            <a:spAutoFit/>
+          </a:bodyPr>
+          <a:lstStyle/>
+          <a:p>
+            <a:pPr algn="ctr"/>
+            <a:r>
+              <a:rPr lang="en-US" sz="4400" b="0" cap="none" spc="0" dirty="0">
+                <a:ln w="0"/>
+                <a:solidFill>
+                  <a:schemeClr val="accent1">
+                    <a:lumMod val="60000"/>
+                    <a:lumOff val="40000"/>
+                  </a:schemeClr>
+                </a:solidFill>
+                <a:effectLst>
+                  <a:outerShdw blurRad="38100" dist="25400" dir="5400000" algn="ctr" rotWithShape="0">
+                    <a:srgbClr val="6E747A">
+                      <a:alpha val="43000"/>
+                    </a:srgbClr>
+                  </a:outerShdw>
+                </a:effectLst>
+              </a:rPr>
+              <a:t>3</a:t>
+            </a:r>
+          </a:p>
+        </p:txBody>
+      </p:sp>
+      <p:sp>
+        <p:nvSpPr>
+          <p:cNvPr id="3" name="Rounded Rectangle 2">
+            <a:extLst>
+              <a:ext uri="{FF2B5EF4-FFF2-40B4-BE49-F238E27FC236}">
+                <a16:creationId xmlns:a16="http://schemas.microsoft.com/office/drawing/2014/main" id="{86446D6D-9042-0344-A3B4-5BD1604D40B9}"/>
+              </a:ext>
+            </a:extLst>
+          </p:cNvPr>
+          <p:cNvSpPr/>
+          <p:nvPr/>
+        </p:nvSpPr>
+        <p:spPr>
+          <a:xfrm>
+            <a:off x="5388429" y="1094014"/>
+            <a:ext cx="2139042" cy="898072"/>
+          </a:xfrm>
+          <a:prstGeom prst="roundRect">
+            <a:avLst/>
+          </a:prstGeom>
+        </p:spPr>
+        <p:style>
+          <a:lnRef idx="2">
+            <a:schemeClr val="accent1">
+              <a:shade val="50000"/>
+            </a:schemeClr>
+          </a:lnRef>
+          <a:fillRef idx="1">
+            <a:schemeClr val="accent1"/>
+          </a:fillRef>
+          <a:effectRef idx="0">
+            <a:schemeClr val="accent1"/>
+          </a:effectRef>
+          <a:fontRef idx="minor">
+            <a:schemeClr val="lt1"/>
+          </a:fontRef>
+        </p:style>
+        <p:txBody>
+          <a:bodyPr rtlCol="0" anchor="ctr"/>
+          <a:lstStyle/>
+          <a:p>
+            <a:pPr algn="ctr"/>
+            <a:r>
+              <a:rPr lang="en-US" b="1" dirty="0"/>
+              <a:t>Data </a:t>
+            </a:r>
+          </a:p>
+          <a:p>
+            <a:pPr algn="ctr"/>
+            <a:r>
+              <a:rPr lang="en-US" b="1" dirty="0"/>
+              <a:t>Exploration</a:t>
+            </a:r>
+          </a:p>
+        </p:txBody>
+      </p:sp>
     </p:spTree>
     <p:extLst>
       <p:ext uri="{BB962C8B-B14F-4D97-AF65-F5344CB8AC3E}">
-        <p14:creationId xmlns:p14="http://schemas.microsoft.com/office/powerpoint/2010/main" val="136611685"/>
+        <p14:creationId xmlns:p14="http://schemas.microsoft.com/office/powerpoint/2010/main" val="3322233276"/>
       </p:ext>
     </p:extLst>
   </p:cSld>
